--- a/register user design.pptx
+++ b/register user design.pptx
@@ -710,11 +710,7 @@
             </a:r>
             <a:r>
               <a:rPr lang="en-US" baseline="0" dirty="0" smtClean="0"/>
-              <a:t> ahs to </a:t>
-            </a:r>
-            <a:r>
-              <a:rPr lang="en-US" baseline="0" smtClean="0"/>
-              <a:t>be unique</a:t>
+              <a:t> ahs to be unique</a:t>
             </a:r>
             <a:endParaRPr lang="en-US" dirty="0"/>
           </a:p>
@@ -5029,7 +5025,7 @@
         </p:nvSpPr>
         <p:spPr>
           <a:xfrm>
-            <a:off x="4321120" y="2173756"/>
+            <a:off x="4498579" y="2212950"/>
             <a:ext cx="838691" cy="369332"/>
           </a:xfrm>
           <a:prstGeom prst="rect">
@@ -5060,7 +5056,7 @@
         </p:nvSpPr>
         <p:spPr>
           <a:xfrm>
-            <a:off x="4569135" y="2692520"/>
+            <a:off x="4746594" y="2731714"/>
             <a:ext cx="590676" cy="369332"/>
           </a:xfrm>
           <a:prstGeom prst="rect">
@@ -5175,7 +5171,7 @@
         </p:nvSpPr>
         <p:spPr>
           <a:xfrm>
-            <a:off x="3766160" y="4362956"/>
+            <a:off x="3943619" y="4402150"/>
             <a:ext cx="1393651" cy="369332"/>
           </a:xfrm>
           <a:prstGeom prst="rect">
@@ -5290,7 +5286,7 @@
         </p:nvSpPr>
         <p:spPr>
           <a:xfrm>
-            <a:off x="4364330" y="3842050"/>
+            <a:off x="4167719" y="3881244"/>
             <a:ext cx="1169551" cy="369332"/>
           </a:xfrm>
           <a:prstGeom prst="rect">
@@ -5361,7 +5357,7 @@
         </p:nvSpPr>
         <p:spPr>
           <a:xfrm>
-            <a:off x="4205266" y="3249399"/>
+            <a:off x="4141172" y="3288593"/>
             <a:ext cx="1196098" cy="369332"/>
           </a:xfrm>
           <a:prstGeom prst="rect">

--- a/register user design.pptx
+++ b/register user design.pptx
@@ -113,6 +113,11 @@
       </a:defRPr>
     </a:lvl9pPr>
   </p:defaultTextStyle>
+  <p:extLst>
+    <p:ext uri="{EFAFB233-063F-42B5-8137-9DF3F51BA10A}">
+      <p15:sldGuideLst xmlns:p15="http://schemas.microsoft.com/office/powerpoint/2012/main"/>
+    </p:ext>
+  </p:extLst>
 </p:presentation>
 </file>
 
@@ -198,7 +203,7 @@
           <a:p>
             <a:fld id="{45796D49-B48A-3044-8D2D-5D379B501711}" type="datetimeFigureOut">
               <a:rPr lang="en-US" smtClean="0"/>
-              <a:t>11/5/16</a:t>
+              <a:t>11/14/16</a:t>
             </a:fld>
             <a:endParaRPr lang="en-US"/>
           </a:p>
@@ -796,6 +801,80 @@
           <a:bodyPr/>
           <a:lstStyle/>
           <a:p>
+            <a:pPr marL="228600" indent="-228600">
+              <a:buAutoNum type="arabicPeriod"/>
+            </a:pPr>
+            <a:r>
+              <a:rPr lang="en-US" dirty="0" smtClean="0"/>
+              <a:t>http://localhost:8080/home/index</a:t>
+            </a:r>
+          </a:p>
+          <a:p>
+            <a:pPr marL="685800" lvl="1" indent="-228600">
+              <a:buAutoNum type="arabicPeriod"/>
+            </a:pPr>
+            <a:r>
+              <a:rPr lang="en-US" dirty="0" smtClean="0"/>
+              <a:t>If</a:t>
+            </a:r>
+            <a:r>
+              <a:rPr lang="en-US" baseline="0" dirty="0" smtClean="0"/>
+              <a:t> not authenticated, display view with login in</a:t>
+            </a:r>
+          </a:p>
+          <a:p>
+            <a:pPr marL="1143000" lvl="2" indent="-228600">
+              <a:buAutoNum type="arabicPeriod"/>
+            </a:pPr>
+            <a:r>
+              <a:rPr lang="en-US" baseline="0" dirty="0" err="1" smtClean="0"/>
+              <a:t>loginView</a:t>
+            </a:r>
+            <a:endParaRPr lang="en-US" baseline="0" dirty="0" smtClean="0"/>
+          </a:p>
+          <a:p>
+            <a:pPr marL="1600200" lvl="3" indent="-228600">
+              <a:buAutoNum type="arabicPeriod"/>
+            </a:pPr>
+            <a:r>
+              <a:rPr lang="en-US" baseline="0" dirty="0" smtClean="0"/>
+              <a:t>Submit button runs </a:t>
+            </a:r>
+            <a:r>
+              <a:rPr lang="en-US" baseline="0" dirty="0" err="1" smtClean="0"/>
+              <a:t>loginAction</a:t>
+            </a:r>
+            <a:r>
+              <a:rPr lang="en-US" baseline="0" smtClean="0"/>
+              <a:t> controller</a:t>
+            </a:r>
+            <a:endParaRPr lang="en-US" baseline="0" dirty="0" smtClean="0"/>
+          </a:p>
+          <a:p>
+            <a:pPr marL="685800" lvl="1" indent="-228600">
+              <a:buAutoNum type="arabicPeriod"/>
+            </a:pPr>
+            <a:r>
+              <a:rPr lang="en-US" baseline="0" dirty="0" smtClean="0"/>
+              <a:t>Else if authenticated go to landing</a:t>
+            </a:r>
+          </a:p>
+          <a:p>
+            <a:pPr marL="685800" lvl="1" indent="-228600">
+              <a:buAutoNum type="arabicPeriod"/>
+            </a:pPr>
+            <a:endParaRPr lang="en-US" baseline="0" dirty="0" smtClean="0"/>
+          </a:p>
+          <a:p>
+            <a:pPr marL="228600" lvl="0" indent="-228600">
+              <a:buAutoNum type="arabicPeriod"/>
+            </a:pPr>
+            <a:endParaRPr lang="en-US" dirty="0" smtClean="0"/>
+          </a:p>
+          <a:p>
+            <a:pPr marL="228600" indent="-228600">
+              <a:buAutoNum type="arabicPeriod"/>
+            </a:pPr>
             <a:endParaRPr lang="en-US" dirty="0"/>
           </a:p>
         </p:txBody>
@@ -1051,7 +1130,7 @@
           <a:p>
             <a:fld id="{4F1CDA77-C406-AB4D-9783-64890CEBAB5A}" type="datetimeFigureOut">
               <a:rPr lang="en-US" smtClean="0"/>
-              <a:t>11/5/16</a:t>
+              <a:t>11/14/16</a:t>
             </a:fld>
             <a:endParaRPr lang="en-US"/>
           </a:p>
@@ -1221,7 +1300,7 @@
           <a:p>
             <a:fld id="{4F1CDA77-C406-AB4D-9783-64890CEBAB5A}" type="datetimeFigureOut">
               <a:rPr lang="en-US" smtClean="0"/>
-              <a:t>11/5/16</a:t>
+              <a:t>11/14/16</a:t>
             </a:fld>
             <a:endParaRPr lang="en-US"/>
           </a:p>
@@ -1401,7 +1480,7 @@
           <a:p>
             <a:fld id="{4F1CDA77-C406-AB4D-9783-64890CEBAB5A}" type="datetimeFigureOut">
               <a:rPr lang="en-US" smtClean="0"/>
-              <a:t>11/5/16</a:t>
+              <a:t>11/14/16</a:t>
             </a:fld>
             <a:endParaRPr lang="en-US"/>
           </a:p>
@@ -1571,7 +1650,7 @@
           <a:p>
             <a:fld id="{4F1CDA77-C406-AB4D-9783-64890CEBAB5A}" type="datetimeFigureOut">
               <a:rPr lang="en-US" smtClean="0"/>
-              <a:t>11/5/16</a:t>
+              <a:t>11/14/16</a:t>
             </a:fld>
             <a:endParaRPr lang="en-US"/>
           </a:p>
@@ -1817,7 +1896,7 @@
           <a:p>
             <a:fld id="{4F1CDA77-C406-AB4D-9783-64890CEBAB5A}" type="datetimeFigureOut">
               <a:rPr lang="en-US" smtClean="0"/>
-              <a:t>11/5/16</a:t>
+              <a:t>11/14/16</a:t>
             </a:fld>
             <a:endParaRPr lang="en-US"/>
           </a:p>
@@ -2049,7 +2128,7 @@
           <a:p>
             <a:fld id="{4F1CDA77-C406-AB4D-9783-64890CEBAB5A}" type="datetimeFigureOut">
               <a:rPr lang="en-US" smtClean="0"/>
-              <a:t>11/5/16</a:t>
+              <a:t>11/14/16</a:t>
             </a:fld>
             <a:endParaRPr lang="en-US"/>
           </a:p>
@@ -2416,7 +2495,7 @@
           <a:p>
             <a:fld id="{4F1CDA77-C406-AB4D-9783-64890CEBAB5A}" type="datetimeFigureOut">
               <a:rPr lang="en-US" smtClean="0"/>
-              <a:t>11/5/16</a:t>
+              <a:t>11/14/16</a:t>
             </a:fld>
             <a:endParaRPr lang="en-US"/>
           </a:p>
@@ -2534,7 +2613,7 @@
           <a:p>
             <a:fld id="{4F1CDA77-C406-AB4D-9783-64890CEBAB5A}" type="datetimeFigureOut">
               <a:rPr lang="en-US" smtClean="0"/>
-              <a:t>11/5/16</a:t>
+              <a:t>11/14/16</a:t>
             </a:fld>
             <a:endParaRPr lang="en-US"/>
           </a:p>
@@ -2629,7 +2708,7 @@
           <a:p>
             <a:fld id="{4F1CDA77-C406-AB4D-9783-64890CEBAB5A}" type="datetimeFigureOut">
               <a:rPr lang="en-US" smtClean="0"/>
-              <a:t>11/5/16</a:t>
+              <a:t>11/14/16</a:t>
             </a:fld>
             <a:endParaRPr lang="en-US"/>
           </a:p>
@@ -2906,7 +2985,7 @@
           <a:p>
             <a:fld id="{4F1CDA77-C406-AB4D-9783-64890CEBAB5A}" type="datetimeFigureOut">
               <a:rPr lang="en-US" smtClean="0"/>
-              <a:t>11/5/16</a:t>
+              <a:t>11/14/16</a:t>
             </a:fld>
             <a:endParaRPr lang="en-US"/>
           </a:p>
@@ -3159,7 +3238,7 @@
           <a:p>
             <a:fld id="{4F1CDA77-C406-AB4D-9783-64890CEBAB5A}" type="datetimeFigureOut">
               <a:rPr lang="en-US" smtClean="0"/>
-              <a:t>11/5/16</a:t>
+              <a:t>11/14/16</a:t>
             </a:fld>
             <a:endParaRPr lang="en-US"/>
           </a:p>
@@ -3372,7 +3451,7 @@
           <a:p>
             <a:fld id="{4F1CDA77-C406-AB4D-9783-64890CEBAB5A}" type="datetimeFigureOut">
               <a:rPr lang="en-US" smtClean="0"/>
-              <a:t>11/5/16</a:t>
+              <a:t>11/14/16</a:t>
             </a:fld>
             <a:endParaRPr lang="en-US"/>
           </a:p>
